--- a/presentation/presentation.pptx
+++ b/presentation/presentation.pptx
@@ -112,6 +112,11 @@
       </a:defRPr>
     </a:lvl9pPr>
   </p:defaultTextStyle>
+  <p:extLst>
+    <p:ext uri="{EFAFB233-063F-42B5-8137-9DF3F51BA10A}">
+      <p15:sldGuideLst xmlns:p15="http://schemas.microsoft.com/office/powerpoint/2012/main"/>
+    </p:ext>
+  </p:extLst>
 </p:presentation>
 </file>
 
@@ -341,7 +346,7 @@
           <a:p>
             <a:fld id="{444045A8-7287-4DDB-83B7-F716A37A814B}" type="datetimeFigureOut">
               <a:rPr lang="en-US" smtClean="0"/>
-              <a:t>5/27/2021</a:t>
+              <a:t>5/30/2021</a:t>
             </a:fld>
             <a:endParaRPr lang="en-US"/>
           </a:p>
@@ -549,7 +554,7 @@
           <a:p>
             <a:fld id="{444045A8-7287-4DDB-83B7-F716A37A814B}" type="datetimeFigureOut">
               <a:rPr lang="en-US" smtClean="0"/>
-              <a:t>5/27/2021</a:t>
+              <a:t>5/30/2021</a:t>
             </a:fld>
             <a:endParaRPr lang="en-US"/>
           </a:p>
@@ -805,7 +810,7 @@
           <a:p>
             <a:fld id="{444045A8-7287-4DDB-83B7-F716A37A814B}" type="datetimeFigureOut">
               <a:rPr lang="en-US" smtClean="0"/>
-              <a:t>5/27/2021</a:t>
+              <a:t>5/30/2021</a:t>
             </a:fld>
             <a:endParaRPr lang="en-US"/>
           </a:p>
@@ -979,7 +984,7 @@
           <a:p>
             <a:fld id="{444045A8-7287-4DDB-83B7-F716A37A814B}" type="datetimeFigureOut">
               <a:rPr lang="en-US" smtClean="0"/>
-              <a:t>5/27/2021</a:t>
+              <a:t>5/30/2021</a:t>
             </a:fld>
             <a:endParaRPr lang="en-US"/>
           </a:p>
@@ -1322,7 +1327,7 @@
           <a:p>
             <a:fld id="{444045A8-7287-4DDB-83B7-F716A37A814B}" type="datetimeFigureOut">
               <a:rPr lang="en-US" smtClean="0"/>
-              <a:t>5/27/2021</a:t>
+              <a:t>5/30/2021</a:t>
             </a:fld>
             <a:endParaRPr lang="en-US"/>
           </a:p>
@@ -1597,7 +1602,7 @@
           <a:p>
             <a:fld id="{444045A8-7287-4DDB-83B7-F716A37A814B}" type="datetimeFigureOut">
               <a:rPr lang="en-US" smtClean="0"/>
-              <a:t>5/27/2021</a:t>
+              <a:t>5/30/2021</a:t>
             </a:fld>
             <a:endParaRPr lang="en-US"/>
           </a:p>
@@ -1976,7 +1981,7 @@
           <a:p>
             <a:fld id="{444045A8-7287-4DDB-83B7-F716A37A814B}" type="datetimeFigureOut">
               <a:rPr lang="en-US" smtClean="0"/>
-              <a:t>5/27/2021</a:t>
+              <a:t>5/30/2021</a:t>
             </a:fld>
             <a:endParaRPr lang="en-US"/>
           </a:p>
@@ -2094,7 +2099,7 @@
           <a:p>
             <a:fld id="{444045A8-7287-4DDB-83B7-F716A37A814B}" type="datetimeFigureOut">
               <a:rPr lang="en-US" smtClean="0"/>
-              <a:t>5/27/2021</a:t>
+              <a:t>5/30/2021</a:t>
             </a:fld>
             <a:endParaRPr lang="en-US"/>
           </a:p>
@@ -2265,7 +2270,7 @@
           <a:p>
             <a:fld id="{444045A8-7287-4DDB-83B7-F716A37A814B}" type="datetimeFigureOut">
               <a:rPr lang="en-US" smtClean="0"/>
-              <a:t>5/27/2021</a:t>
+              <a:t>5/30/2021</a:t>
             </a:fld>
             <a:endParaRPr lang="en-US"/>
           </a:p>
@@ -2619,7 +2624,7 @@
           <a:p>
             <a:fld id="{444045A8-7287-4DDB-83B7-F716A37A814B}" type="datetimeFigureOut">
               <a:rPr lang="en-US" smtClean="0"/>
-              <a:t>5/27/2021</a:t>
+              <a:t>5/30/2021</a:t>
             </a:fld>
             <a:endParaRPr lang="en-US"/>
           </a:p>
@@ -3001,7 +3006,7 @@
           <a:p>
             <a:fld id="{444045A8-7287-4DDB-83B7-F716A37A814B}" type="datetimeFigureOut">
               <a:rPr lang="en-US" smtClean="0"/>
-              <a:t>5/27/2021</a:t>
+              <a:t>5/30/2021</a:t>
             </a:fld>
             <a:endParaRPr lang="en-US"/>
           </a:p>
@@ -3288,7 +3293,7 @@
           <a:p>
             <a:fld id="{444045A8-7287-4DDB-83B7-F716A37A814B}" type="datetimeFigureOut">
               <a:rPr lang="en-US" smtClean="0"/>
-              <a:t>5/27/2021</a:t>
+              <a:t>5/30/2021</a:t>
             </a:fld>
             <a:endParaRPr lang="en-US"/>
           </a:p>
@@ -5222,6 +5227,347 @@
           </a:p>
         </p:txBody>
       </p:sp>
+      <p:sp>
+        <p:nvSpPr>
+          <p:cNvPr id="2" name="Rectangle 1"/>
+          <p:cNvSpPr/>
+          <p:nvPr/>
+        </p:nvSpPr>
+        <p:spPr>
+          <a:xfrm>
+            <a:off x="1650561" y="2571128"/>
+            <a:ext cx="9329651" cy="2585323"/>
+          </a:xfrm>
+          <a:prstGeom prst="rect">
+            <a:avLst/>
+          </a:prstGeom>
+        </p:spPr>
+        <p:txBody>
+          <a:bodyPr wrap="square">
+            <a:spAutoFit/>
+          </a:bodyPr>
+          <a:lstStyle/>
+          <a:p>
+            <a:r>
+              <a:rPr lang="en-US" dirty="0"/>
+              <a:t>Polymorphism : </a:t>
+            </a:r>
+          </a:p>
+          <a:p>
+            <a:r>
+              <a:rPr lang="en-US" dirty="0"/>
+              <a:t>	attack : </a:t>
+            </a:r>
+            <a:r>
+              <a:rPr lang="en-US" dirty="0" err="1"/>
+              <a:t>Tấn</a:t>
+            </a:r>
+            <a:r>
+              <a:rPr lang="en-US" dirty="0"/>
+              <a:t> </a:t>
+            </a:r>
+            <a:r>
+              <a:rPr lang="en-US" dirty="0" err="1"/>
+              <a:t>công</a:t>
+            </a:r>
+            <a:r>
+              <a:rPr lang="en-US" dirty="0"/>
+              <a:t> </a:t>
+            </a:r>
+            <a:r>
+              <a:rPr lang="en-US" dirty="0" err="1"/>
+              <a:t>nhiều</a:t>
+            </a:r>
+            <a:r>
+              <a:rPr lang="en-US" dirty="0"/>
+              <a:t> </a:t>
+            </a:r>
+            <a:r>
+              <a:rPr lang="en-US" dirty="0" err="1"/>
+              <a:t>cách</a:t>
+            </a:r>
+            <a:r>
+              <a:rPr lang="en-US" dirty="0"/>
+              <a:t> </a:t>
+            </a:r>
+            <a:r>
+              <a:rPr lang="en-US" dirty="0" err="1"/>
+              <a:t>khác</a:t>
+            </a:r>
+            <a:r>
+              <a:rPr lang="en-US" dirty="0"/>
+              <a:t> </a:t>
+            </a:r>
+            <a:r>
+              <a:rPr lang="en-US" dirty="0" err="1"/>
+              <a:t>nhau</a:t>
+            </a:r>
+            <a:r>
+              <a:rPr lang="en-US" dirty="0"/>
+              <a:t> (Envelope, </a:t>
+            </a:r>
+            <a:r>
+              <a:rPr lang="en-US" dirty="0" err="1"/>
+              <a:t>NonEnvelope</a:t>
+            </a:r>
+            <a:r>
+              <a:rPr lang="en-US" dirty="0"/>
+              <a:t>, </a:t>
+            </a:r>
+            <a:r>
+              <a:rPr lang="en-US" dirty="0" err="1"/>
+              <a:t>Nucle</a:t>
+            </a:r>
+            <a:r>
+              <a:rPr lang="en-US" dirty="0"/>
+              <a:t>)</a:t>
+            </a:r>
+          </a:p>
+          <a:p>
+            <a:r>
+              <a:rPr lang="en-US" dirty="0"/>
+              <a:t>Encapsulation: </a:t>
+            </a:r>
+            <a:r>
+              <a:rPr lang="en-US" dirty="0" err="1"/>
+              <a:t>giao</a:t>
+            </a:r>
+            <a:r>
+              <a:rPr lang="en-US" dirty="0"/>
+              <a:t> </a:t>
+            </a:r>
+            <a:r>
+              <a:rPr lang="en-US" dirty="0" err="1"/>
+              <a:t>tiếp</a:t>
+            </a:r>
+            <a:r>
+              <a:rPr lang="en-US" dirty="0"/>
+              <a:t> </a:t>
+            </a:r>
+            <a:r>
+              <a:rPr lang="en-US" dirty="0" err="1"/>
+              <a:t>giữa</a:t>
+            </a:r>
+            <a:r>
+              <a:rPr lang="en-US" dirty="0"/>
+              <a:t> </a:t>
+            </a:r>
+            <a:r>
+              <a:rPr lang="en-US" dirty="0" err="1"/>
+              <a:t>các</a:t>
+            </a:r>
+            <a:r>
+              <a:rPr lang="en-US" dirty="0"/>
+              <a:t> class </a:t>
+            </a:r>
+            <a:r>
+              <a:rPr lang="en-US" dirty="0" err="1"/>
+              <a:t>với</a:t>
+            </a:r>
+            <a:r>
+              <a:rPr lang="en-US" dirty="0"/>
+              <a:t> </a:t>
+            </a:r>
+            <a:r>
+              <a:rPr lang="en-US" dirty="0" err="1"/>
+              <a:t>nhau</a:t>
+            </a:r>
+            <a:r>
+              <a:rPr lang="en-US" dirty="0"/>
+              <a:t> qua public method (</a:t>
+            </a:r>
+            <a:r>
+              <a:rPr lang="en-US" dirty="0" err="1"/>
+              <a:t>GetImageOf</a:t>
+            </a:r>
+            <a:r>
+              <a:rPr lang="en-US" dirty="0"/>
+              <a:t>, </a:t>
+            </a:r>
+            <a:r>
+              <a:rPr lang="en-US" dirty="0" err="1"/>
+              <a:t>getComponentOf</a:t>
+            </a:r>
+            <a:r>
+              <a:rPr lang="en-US" dirty="0"/>
+              <a:t> ... )</a:t>
+            </a:r>
+          </a:p>
+          <a:p>
+            <a:r>
+              <a:rPr lang="en-US" dirty="0"/>
+              <a:t>	</a:t>
+            </a:r>
+          </a:p>
+          <a:p>
+            <a:r>
+              <a:rPr lang="en-US" dirty="0"/>
+              <a:t>Abstraction:</a:t>
+            </a:r>
+          </a:p>
+          <a:p>
+            <a:r>
+              <a:rPr lang="en-US" dirty="0"/>
+              <a:t>	Abstract class Virus</a:t>
+            </a:r>
+          </a:p>
+          <a:p>
+            <a:r>
+              <a:rPr lang="en-US" dirty="0"/>
+              <a:t>	Thinking in general terms rather than specific term: Ta </a:t>
+            </a:r>
+            <a:r>
+              <a:rPr lang="en-US" dirty="0" err="1"/>
+              <a:t>chỉ</a:t>
+            </a:r>
+            <a:r>
+              <a:rPr lang="en-US" dirty="0"/>
+              <a:t> </a:t>
+            </a:r>
+            <a:r>
+              <a:rPr lang="en-US" dirty="0" err="1"/>
+              <a:t>quan</a:t>
+            </a:r>
+            <a:r>
+              <a:rPr lang="en-US" dirty="0"/>
+              <a:t> </a:t>
+            </a:r>
+            <a:r>
+              <a:rPr lang="en-US" dirty="0" err="1"/>
+              <a:t>tâm</a:t>
+            </a:r>
+            <a:r>
+              <a:rPr lang="en-US" dirty="0"/>
+              <a:t> </a:t>
+            </a:r>
+            <a:r>
+              <a:rPr lang="en-US" dirty="0" err="1"/>
+              <a:t>đến</a:t>
+            </a:r>
+            <a:r>
+              <a:rPr lang="en-US" dirty="0"/>
+              <a:t> </a:t>
+            </a:r>
+            <a:r>
+              <a:rPr lang="en-US" dirty="0" err="1"/>
+              <a:t>một</a:t>
+            </a:r>
+            <a:r>
+              <a:rPr lang="en-US" dirty="0"/>
+              <a:t> </a:t>
+            </a:r>
+            <a:r>
+              <a:rPr lang="en-US" dirty="0" err="1"/>
+              <a:t>số</a:t>
+            </a:r>
+            <a:r>
+              <a:rPr lang="en-US" dirty="0"/>
+              <a:t> </a:t>
+            </a:r>
+            <a:r>
+              <a:rPr lang="en-US" dirty="0" err="1"/>
+              <a:t>thông</a:t>
+            </a:r>
+            <a:r>
+              <a:rPr lang="en-US" dirty="0"/>
+              <a:t> tin </a:t>
+            </a:r>
+            <a:r>
+              <a:rPr lang="en-US" dirty="0" err="1"/>
+              <a:t>chung</a:t>
+            </a:r>
+            <a:r>
+              <a:rPr lang="en-US" dirty="0"/>
+              <a:t> </a:t>
+            </a:r>
+            <a:r>
+              <a:rPr lang="en-US" dirty="0" err="1"/>
+              <a:t>của</a:t>
+            </a:r>
+            <a:r>
+              <a:rPr lang="en-US" dirty="0"/>
+              <a:t> </a:t>
+            </a:r>
+            <a:r>
+              <a:rPr lang="en-US" dirty="0" err="1"/>
+              <a:t>VirusComponent</a:t>
+            </a:r>
+            <a:r>
+              <a:rPr lang="en-US" dirty="0"/>
+              <a:t>, </a:t>
+            </a:r>
+            <a:r>
+              <a:rPr lang="en-US" dirty="0" err="1"/>
+              <a:t>nên</a:t>
+            </a:r>
+            <a:r>
+              <a:rPr lang="en-US" dirty="0"/>
+              <a:t> </a:t>
+            </a:r>
+            <a:r>
+              <a:rPr lang="en-US" dirty="0" err="1"/>
+              <a:t>các</a:t>
+            </a:r>
+            <a:r>
+              <a:rPr lang="en-US" dirty="0"/>
+              <a:t> </a:t>
+            </a:r>
+            <a:r>
+              <a:rPr lang="en-US" dirty="0" err="1"/>
+              <a:t>bộ</a:t>
+            </a:r>
+            <a:r>
+              <a:rPr lang="en-US" dirty="0"/>
+              <a:t> </a:t>
+            </a:r>
+            <a:r>
+              <a:rPr lang="en-US" dirty="0" err="1"/>
+              <a:t>phận</a:t>
+            </a:r>
+            <a:r>
+              <a:rPr lang="en-US" dirty="0"/>
+              <a:t> </a:t>
+            </a:r>
+            <a:r>
+              <a:rPr lang="en-US" dirty="0" err="1"/>
+              <a:t>trên</a:t>
+            </a:r>
+            <a:r>
+              <a:rPr lang="en-US" dirty="0"/>
+              <a:t> </a:t>
+            </a:r>
+            <a:r>
+              <a:rPr lang="en-US" dirty="0" err="1"/>
+              <a:t>không</a:t>
+            </a:r>
+            <a:r>
+              <a:rPr lang="en-US" dirty="0"/>
+              <a:t> </a:t>
+            </a:r>
+            <a:r>
+              <a:rPr lang="en-US" dirty="0" err="1"/>
+              <a:t>quá</a:t>
+            </a:r>
+            <a:r>
+              <a:rPr lang="en-US" dirty="0"/>
+              <a:t> </a:t>
+            </a:r>
+            <a:r>
+              <a:rPr lang="en-US" dirty="0" err="1"/>
+              <a:t>khác</a:t>
+            </a:r>
+            <a:r>
+              <a:rPr lang="en-US" dirty="0"/>
+              <a:t> </a:t>
+            </a:r>
+            <a:r>
+              <a:rPr lang="en-US" dirty="0" err="1"/>
+              <a:t>biệt</a:t>
+            </a:r>
+            <a:endParaRPr lang="en-US" dirty="0"/>
+          </a:p>
+        </p:txBody>
+      </p:sp>
     </p:spTree>
     <p:extLst>
       <p:ext uri="{BB962C8B-B14F-4D97-AF65-F5344CB8AC3E}">
@@ -5369,6 +5715,240 @@
               <a:t>OOP Techniques</a:t>
             </a:r>
             <a:endParaRPr lang="en-US" sz="5400" dirty="0"/>
+          </a:p>
+        </p:txBody>
+      </p:sp>
+      <p:sp>
+        <p:nvSpPr>
+          <p:cNvPr id="2" name="Rectangle 1"/>
+          <p:cNvSpPr/>
+          <p:nvPr/>
+        </p:nvSpPr>
+        <p:spPr>
+          <a:xfrm>
+            <a:off x="1560508" y="2721046"/>
+            <a:ext cx="9784079" cy="2308324"/>
+          </a:xfrm>
+          <a:prstGeom prst="rect">
+            <a:avLst/>
+          </a:prstGeom>
+        </p:spPr>
+        <p:txBody>
+          <a:bodyPr wrap="square">
+            <a:spAutoFit/>
+          </a:bodyPr>
+          <a:lstStyle/>
+          <a:p>
+            <a:r>
+              <a:rPr lang="en-US" dirty="0"/>
+              <a:t>Inheritance:</a:t>
+            </a:r>
+          </a:p>
+          <a:p>
+            <a:r>
+              <a:rPr lang="en-US" dirty="0"/>
+              <a:t>	</a:t>
+            </a:r>
+            <a:r>
+              <a:rPr lang="en-US" dirty="0" err="1"/>
+              <a:t>NonenvelopeVirus</a:t>
+            </a:r>
+            <a:r>
+              <a:rPr lang="en-US" dirty="0"/>
+              <a:t>, Envelope Virus </a:t>
+            </a:r>
+            <a:r>
+              <a:rPr lang="en-US" dirty="0" err="1"/>
+              <a:t>inherite</a:t>
+            </a:r>
+            <a:r>
+              <a:rPr lang="en-US" dirty="0"/>
+              <a:t> Virus</a:t>
+            </a:r>
+          </a:p>
+          <a:p>
+            <a:r>
+              <a:rPr lang="en-US" dirty="0"/>
+              <a:t>	</a:t>
+            </a:r>
+            <a:r>
+              <a:rPr lang="en-US" dirty="0" err="1"/>
+              <a:t>Các</a:t>
+            </a:r>
+            <a:r>
+              <a:rPr lang="en-US" dirty="0"/>
+              <a:t> </a:t>
+            </a:r>
+            <a:r>
+              <a:rPr lang="en-US" dirty="0" err="1"/>
+              <a:t>bộ</a:t>
+            </a:r>
+            <a:r>
+              <a:rPr lang="en-US" dirty="0"/>
+              <a:t> </a:t>
+            </a:r>
+            <a:r>
+              <a:rPr lang="en-US" dirty="0" err="1"/>
+              <a:t>phận</a:t>
+            </a:r>
+            <a:r>
+              <a:rPr lang="en-US" dirty="0"/>
+              <a:t> </a:t>
+            </a:r>
+            <a:r>
+              <a:rPr lang="en-US" dirty="0" err="1"/>
+              <a:t>của</a:t>
+            </a:r>
+            <a:r>
+              <a:rPr lang="en-US" dirty="0"/>
+              <a:t> Cell Layer, </a:t>
+            </a:r>
+            <a:r>
+              <a:rPr lang="en-US" dirty="0" err="1"/>
+              <a:t>Membrance</a:t>
+            </a:r>
+            <a:r>
+              <a:rPr lang="en-US" dirty="0"/>
+              <a:t>, Nucleus </a:t>
+            </a:r>
+            <a:r>
+              <a:rPr lang="en-US" dirty="0" err="1"/>
+              <a:t>inherite</a:t>
+            </a:r>
+            <a:r>
+              <a:rPr lang="en-US" dirty="0"/>
+              <a:t> </a:t>
+            </a:r>
+            <a:r>
+              <a:rPr lang="en-US" dirty="0" err="1"/>
+              <a:t>CellComponent</a:t>
+            </a:r>
+            <a:endParaRPr lang="en-US" dirty="0"/>
+          </a:p>
+          <a:p>
+            <a:r>
+              <a:rPr lang="en-US" dirty="0"/>
+              <a:t>	</a:t>
+            </a:r>
+            <a:r>
+              <a:rPr lang="en-US" dirty="0" err="1"/>
+              <a:t>Các</a:t>
+            </a:r>
+            <a:r>
+              <a:rPr lang="en-US" dirty="0"/>
+              <a:t> </a:t>
+            </a:r>
+            <a:r>
+              <a:rPr lang="en-US" dirty="0" err="1"/>
+              <a:t>bộ</a:t>
+            </a:r>
+            <a:r>
+              <a:rPr lang="en-US" dirty="0"/>
+              <a:t> </a:t>
+            </a:r>
+            <a:r>
+              <a:rPr lang="en-US" dirty="0" err="1"/>
+              <a:t>phận</a:t>
+            </a:r>
+            <a:r>
+              <a:rPr lang="en-US" dirty="0"/>
+              <a:t> </a:t>
+            </a:r>
+            <a:r>
+              <a:rPr lang="en-US" dirty="0" err="1"/>
+              <a:t>của</a:t>
+            </a:r>
+            <a:r>
+              <a:rPr lang="en-US" dirty="0"/>
+              <a:t> Virus </a:t>
+            </a:r>
+            <a:r>
+              <a:rPr lang="en-US" dirty="0" err="1"/>
+              <a:t>AcidNucleic</a:t>
+            </a:r>
+            <a:r>
+              <a:rPr lang="en-US" dirty="0"/>
+              <a:t>, </a:t>
+            </a:r>
+            <a:r>
+              <a:rPr lang="en-US" dirty="0" err="1"/>
+              <a:t>Enzime</a:t>
+            </a:r>
+            <a:r>
+              <a:rPr lang="en-US" dirty="0"/>
+              <a:t>, Capsid, Envelope ... </a:t>
+            </a:r>
+            <a:r>
+              <a:rPr lang="en-US" dirty="0" err="1"/>
+              <a:t>inherite</a:t>
+            </a:r>
+            <a:r>
+              <a:rPr lang="en-US" dirty="0"/>
+              <a:t> </a:t>
+            </a:r>
+            <a:r>
+              <a:rPr lang="en-US" dirty="0" err="1"/>
+              <a:t>VirusComponent</a:t>
+            </a:r>
+            <a:endParaRPr lang="en-US" dirty="0"/>
+          </a:p>
+          <a:p>
+            <a:endParaRPr lang="en-US" dirty="0"/>
+          </a:p>
+          <a:p>
+            <a:r>
+              <a:rPr lang="en-US" dirty="0"/>
+              <a:t>Aggregation:</a:t>
+            </a:r>
+          </a:p>
+          <a:p>
+            <a:r>
+              <a:rPr lang="en-US" dirty="0"/>
+              <a:t>	Virus </a:t>
+            </a:r>
+            <a:r>
+              <a:rPr lang="en-US" dirty="0" err="1"/>
+              <a:t>có</a:t>
+            </a:r>
+            <a:r>
+              <a:rPr lang="en-US" dirty="0"/>
+              <a:t> </a:t>
+            </a:r>
+            <a:r>
+              <a:rPr lang="en-US" dirty="0" err="1"/>
+              <a:t>nhiều</a:t>
+            </a:r>
+            <a:r>
+              <a:rPr lang="en-US" dirty="0"/>
+              <a:t> Virus Component</a:t>
+            </a:r>
+          </a:p>
+          <a:p>
+            <a:r>
+              <a:rPr lang="en-US" dirty="0"/>
+              <a:t>	Cell </a:t>
+            </a:r>
+            <a:r>
+              <a:rPr lang="en-US" dirty="0" err="1"/>
+              <a:t>có</a:t>
+            </a:r>
+            <a:r>
+              <a:rPr lang="en-US" dirty="0"/>
+              <a:t> </a:t>
+            </a:r>
+            <a:r>
+              <a:rPr lang="en-US" dirty="0" err="1"/>
+              <a:t>nhiều</a:t>
+            </a:r>
+            <a:r>
+              <a:rPr lang="en-US" dirty="0"/>
+              <a:t> </a:t>
+            </a:r>
+            <a:r>
+              <a:rPr lang="en-US" dirty="0" err="1"/>
+              <a:t>CellComponent</a:t>
+            </a:r>
+            <a:endParaRPr lang="en-US" dirty="0"/>
           </a:p>
         </p:txBody>
       </p:sp>
